--- a/docs/diagrams/ModelComponentClassDiagram.pptx
+++ b/docs/diagrams/ModelComponentClassDiagram.pptx
@@ -208,7 +208,7 @@
           <a:p>
             <a:fld id="{F5CC4B3F-88C1-4FFA-B1B6-F41C21DC6924}" type="datetimeFigureOut">
               <a:rPr lang="en-US" smtClean="0"/>
-              <a:t>3/14/2017</a:t>
+              <a:t>3/18/2017</a:t>
             </a:fld>
             <a:endParaRPr lang="en-US"/>
           </a:p>
@@ -657,7 +657,7 @@
           <a:p>
             <a:fld id="{78C97017-6FC3-485B-9764-EAC9E56C1D49}" type="datetimeFigureOut">
               <a:rPr lang="en-US" smtClean="0"/>
-              <a:t>3/14/2017</a:t>
+              <a:t>3/18/2017</a:t>
             </a:fld>
             <a:endParaRPr lang="en-US"/>
           </a:p>
@@ -827,7 +827,7 @@
           <a:p>
             <a:fld id="{78C97017-6FC3-485B-9764-EAC9E56C1D49}" type="datetimeFigureOut">
               <a:rPr lang="en-US" smtClean="0"/>
-              <a:t>3/14/2017</a:t>
+              <a:t>3/18/2017</a:t>
             </a:fld>
             <a:endParaRPr lang="en-US"/>
           </a:p>
@@ -1007,7 +1007,7 @@
           <a:p>
             <a:fld id="{78C97017-6FC3-485B-9764-EAC9E56C1D49}" type="datetimeFigureOut">
               <a:rPr lang="en-US" smtClean="0"/>
-              <a:t>3/14/2017</a:t>
+              <a:t>3/18/2017</a:t>
             </a:fld>
             <a:endParaRPr lang="en-US"/>
           </a:p>
@@ -1177,7 +1177,7 @@
           <a:p>
             <a:fld id="{78C97017-6FC3-485B-9764-EAC9E56C1D49}" type="datetimeFigureOut">
               <a:rPr lang="en-US" smtClean="0"/>
-              <a:t>3/14/2017</a:t>
+              <a:t>3/18/2017</a:t>
             </a:fld>
             <a:endParaRPr lang="en-US"/>
           </a:p>
@@ -1423,7 +1423,7 @@
           <a:p>
             <a:fld id="{78C97017-6FC3-485B-9764-EAC9E56C1D49}" type="datetimeFigureOut">
               <a:rPr lang="en-US" smtClean="0"/>
-              <a:t>3/14/2017</a:t>
+              <a:t>3/18/2017</a:t>
             </a:fld>
             <a:endParaRPr lang="en-US"/>
           </a:p>
@@ -1711,7 +1711,7 @@
           <a:p>
             <a:fld id="{78C97017-6FC3-485B-9764-EAC9E56C1D49}" type="datetimeFigureOut">
               <a:rPr lang="en-US" smtClean="0"/>
-              <a:t>3/14/2017</a:t>
+              <a:t>3/18/2017</a:t>
             </a:fld>
             <a:endParaRPr lang="en-US"/>
           </a:p>
@@ -2133,7 +2133,7 @@
           <a:p>
             <a:fld id="{78C97017-6FC3-485B-9764-EAC9E56C1D49}" type="datetimeFigureOut">
               <a:rPr lang="en-US" smtClean="0"/>
-              <a:t>3/14/2017</a:t>
+              <a:t>3/18/2017</a:t>
             </a:fld>
             <a:endParaRPr lang="en-US"/>
           </a:p>
@@ -2251,7 +2251,7 @@
           <a:p>
             <a:fld id="{78C97017-6FC3-485B-9764-EAC9E56C1D49}" type="datetimeFigureOut">
               <a:rPr lang="en-US" smtClean="0"/>
-              <a:t>3/14/2017</a:t>
+              <a:t>3/18/2017</a:t>
             </a:fld>
             <a:endParaRPr lang="en-US"/>
           </a:p>
@@ -2346,7 +2346,7 @@
           <a:p>
             <a:fld id="{78C97017-6FC3-485B-9764-EAC9E56C1D49}" type="datetimeFigureOut">
               <a:rPr lang="en-US" smtClean="0"/>
-              <a:t>3/14/2017</a:t>
+              <a:t>3/18/2017</a:t>
             </a:fld>
             <a:endParaRPr lang="en-US"/>
           </a:p>
@@ -2623,7 +2623,7 @@
           <a:p>
             <a:fld id="{78C97017-6FC3-485B-9764-EAC9E56C1D49}" type="datetimeFigureOut">
               <a:rPr lang="en-US" smtClean="0"/>
-              <a:t>3/14/2017</a:t>
+              <a:t>3/18/2017</a:t>
             </a:fld>
             <a:endParaRPr lang="en-US"/>
           </a:p>
@@ -2876,7 +2876,7 @@
           <a:p>
             <a:fld id="{78C97017-6FC3-485B-9764-EAC9E56C1D49}" type="datetimeFigureOut">
               <a:rPr lang="en-US" smtClean="0"/>
-              <a:t>3/14/2017</a:t>
+              <a:t>3/18/2017</a:t>
             </a:fld>
             <a:endParaRPr lang="en-US"/>
           </a:p>
@@ -3089,7 +3089,7 @@
           <a:p>
             <a:fld id="{78C97017-6FC3-485B-9764-EAC9E56C1D49}" type="datetimeFigureOut">
               <a:rPr lang="en-US" smtClean="0"/>
-              <a:t>3/14/2017</a:t>
+              <a:t>3/18/2017</a:t>
             </a:fld>
             <a:endParaRPr lang="en-US"/>
           </a:p>
@@ -4852,7 +4852,7 @@
                   <a:srgbClr val="7030A0"/>
                 </a:solidFill>
               </a:rPr>
-              <a:t>Name</a:t>
+              <a:t>Title</a:t>
             </a:r>
             <a:endParaRPr lang="en-SG" sz="1050" dirty="0">
               <a:solidFill>

--- a/docs/diagrams/ModelComponentClassDiagram.pptx
+++ b/docs/diagrams/ModelComponentClassDiagram.pptx
@@ -1874,8 +1874,8 @@
         </p:nvSpPr>
         <p:spPr>
           <a:xfrm>
-            <a:off x="1119960" y="1727280"/>
-            <a:ext cx="7490160" cy="2996640"/>
+            <a:off x="335520" y="1494000"/>
+            <a:ext cx="8717040" cy="3486960"/>
           </a:xfrm>
           <a:prstGeom prst="roundRect">
             <a:avLst>
@@ -1956,8 +1956,8 @@
         </p:nvSpPr>
         <p:spPr>
           <a:xfrm>
-            <a:off x="2877120" y="3158280"/>
-            <a:ext cx="1092960" cy="345960"/>
+            <a:off x="2380680" y="3159360"/>
+            <a:ext cx="1271520" cy="401760"/>
           </a:xfrm>
           <a:prstGeom prst="rect">
             <a:avLst/>
@@ -2036,8 +2036,8 @@
         </p:nvSpPr>
         <p:spPr>
           <a:xfrm rot="16200000">
-            <a:off x="1683720" y="2869200"/>
-            <a:ext cx="1092960" cy="345960"/>
+            <a:off x="991800" y="2822760"/>
+            <a:ext cx="1271880" cy="402480"/>
           </a:xfrm>
           <a:prstGeom prst="rect">
             <a:avLst/>
@@ -2116,8 +2116,8 @@
         </p:nvSpPr>
         <p:spPr>
           <a:xfrm flipV="1">
-            <a:off x="6477120" y="3193560"/>
-            <a:ext cx="94680" cy="415800"/>
+            <a:off x="6570720" y="3200400"/>
+            <a:ext cx="109440" cy="483120"/>
           </a:xfrm>
           <a:prstGeom prst="bentConnector2">
             <a:avLst/>
@@ -2160,8 +2160,8 @@
         </p:nvSpPr>
         <p:spPr>
           <a:xfrm rot="16200000">
-            <a:off x="955800" y="2861640"/>
-            <a:ext cx="1092960" cy="345960"/>
+            <a:off x="145080" y="2814840"/>
+            <a:ext cx="1270800" cy="401760"/>
           </a:xfrm>
           <a:prstGeom prst="rect">
             <a:avLst/>
@@ -2273,8 +2273,8 @@
         </p:nvSpPr>
         <p:spPr>
           <a:xfrm rot="16200000">
-            <a:off x="1626840" y="2952720"/>
-            <a:ext cx="269640" cy="174960"/>
+            <a:off x="925560" y="2920680"/>
+            <a:ext cx="313560" cy="203400"/>
           </a:xfrm>
           <a:prstGeom prst="triangle">
             <a:avLst>
@@ -2319,8 +2319,8 @@
         </p:nvSpPr>
         <p:spPr>
           <a:xfrm>
-            <a:off x="2656440" y="3326400"/>
-            <a:ext cx="219960" cy="4680"/>
+            <a:off x="2124000" y="3354840"/>
+            <a:ext cx="255240" cy="5040"/>
           </a:xfrm>
           <a:custGeom>
             <a:avLst/>
@@ -2374,8 +2374,8 @@
         </p:nvSpPr>
         <p:spPr>
           <a:xfrm flipV="1" rot="5400000">
-            <a:off x="6254640" y="3521880"/>
-            <a:ext cx="269640" cy="174960"/>
+            <a:off x="6312240" y="3582000"/>
+            <a:ext cx="313560" cy="203400"/>
           </a:xfrm>
           <a:prstGeom prst="triangle">
             <a:avLst>
@@ -2420,8 +2420,8 @@
         </p:nvSpPr>
         <p:spPr>
           <a:xfrm>
-            <a:off x="910080" y="3040200"/>
-            <a:ext cx="418680" cy="2160"/>
+            <a:off x="91440" y="3021840"/>
+            <a:ext cx="486720" cy="1800"/>
           </a:xfrm>
           <a:prstGeom prst="bentConnector3">
             <a:avLst>
@@ -2469,8 +2469,8 @@
         </p:nvSpPr>
         <p:spPr>
           <a:xfrm>
-            <a:off x="1849680" y="3039840"/>
-            <a:ext cx="216000" cy="360"/>
+            <a:off x="1184760" y="3021480"/>
+            <a:ext cx="251640" cy="360"/>
           </a:xfrm>
           <a:prstGeom prst="line">
             <a:avLst/>
@@ -2506,8 +2506,8 @@
         </p:nvSpPr>
         <p:spPr>
           <a:xfrm>
-            <a:off x="2420280" y="3240000"/>
-            <a:ext cx="235440" cy="172800"/>
+            <a:off x="1849320" y="3254760"/>
+            <a:ext cx="273240" cy="200160"/>
           </a:xfrm>
           <a:prstGeom prst="flowChartDecision">
             <a:avLst/>
@@ -2548,8 +2548,8 @@
         </p:nvSpPr>
         <p:spPr>
           <a:xfrm>
-            <a:off x="2879640" y="2627280"/>
-            <a:ext cx="1092960" cy="345960"/>
+            <a:off x="2383560" y="2541240"/>
+            <a:ext cx="1271520" cy="402120"/>
           </a:xfrm>
           <a:prstGeom prst="rect">
             <a:avLst/>
@@ -2625,8 +2625,8 @@
         </p:nvSpPr>
         <p:spPr>
           <a:xfrm>
-            <a:off x="2658600" y="2795400"/>
-            <a:ext cx="219960" cy="4680"/>
+            <a:off x="2126160" y="2737080"/>
+            <a:ext cx="255600" cy="4680"/>
           </a:xfrm>
           <a:custGeom>
             <a:avLst/>
@@ -2680,8 +2680,8 @@
         </p:nvSpPr>
         <p:spPr>
           <a:xfrm>
-            <a:off x="2422800" y="2709000"/>
-            <a:ext cx="235440" cy="172800"/>
+            <a:off x="1851840" y="2635920"/>
+            <a:ext cx="273600" cy="201240"/>
           </a:xfrm>
           <a:prstGeom prst="flowChartDecision">
             <a:avLst/>
@@ -2722,8 +2722,8 @@
         </p:nvSpPr>
         <p:spPr>
           <a:xfrm>
-            <a:off x="4487040" y="2847240"/>
-            <a:ext cx="1156320" cy="345960"/>
+            <a:off x="4254480" y="2796840"/>
+            <a:ext cx="1344960" cy="402840"/>
           </a:xfrm>
           <a:prstGeom prst="rect">
             <a:avLst/>
@@ -2799,8 +2799,8 @@
         </p:nvSpPr>
         <p:spPr>
           <a:xfrm>
-            <a:off x="3984480" y="2674080"/>
-            <a:ext cx="235440" cy="172800"/>
+            <a:off x="3669480" y="2595960"/>
+            <a:ext cx="273960" cy="200160"/>
           </a:xfrm>
           <a:prstGeom prst="flowChartDecision">
             <a:avLst/>
@@ -2843,8 +2843,8 @@
         </p:nvSpPr>
         <p:spPr>
           <a:xfrm>
-            <a:off x="4220280" y="2760840"/>
-            <a:ext cx="266040" cy="259200"/>
+            <a:off x="3944160" y="2696400"/>
+            <a:ext cx="308880" cy="301680"/>
           </a:xfrm>
           <a:prstGeom prst="bentConnector3">
             <a:avLst>
@@ -2887,8 +2887,8 @@
         </p:nvSpPr>
         <p:spPr>
           <a:xfrm>
-            <a:off x="4477320" y="2280600"/>
-            <a:ext cx="1156320" cy="345960"/>
+            <a:off x="4243320" y="2137680"/>
+            <a:ext cx="1344960" cy="402120"/>
           </a:xfrm>
           <a:prstGeom prst="rect">
             <a:avLst/>
@@ -2964,8 +2964,8 @@
         </p:nvSpPr>
         <p:spPr>
           <a:xfrm flipV="1">
-            <a:off x="4220280" y="2453400"/>
-            <a:ext cx="256320" cy="306000"/>
+            <a:off x="3944160" y="2338560"/>
+            <a:ext cx="297360" cy="355680"/>
           </a:xfrm>
           <a:prstGeom prst="bentConnector3">
             <a:avLst>
@@ -3008,8 +3008,8 @@
         </p:nvSpPr>
         <p:spPr>
           <a:xfrm>
-            <a:off x="6313680" y="2858040"/>
-            <a:ext cx="707400" cy="345960"/>
+            <a:off x="6380640" y="2809440"/>
+            <a:ext cx="822600" cy="402840"/>
           </a:xfrm>
           <a:prstGeom prst="rect">
             <a:avLst/>
@@ -3085,8 +3085,8 @@
         </p:nvSpPr>
         <p:spPr>
           <a:xfrm>
-            <a:off x="5643360" y="2944080"/>
-            <a:ext cx="235440" cy="172800"/>
+            <a:off x="5599800" y="2909880"/>
+            <a:ext cx="273960" cy="200520"/>
           </a:xfrm>
           <a:prstGeom prst="flowChartDecision">
             <a:avLst/>
@@ -3127,8 +3127,8 @@
         </p:nvSpPr>
         <p:spPr>
           <a:xfrm>
-            <a:off x="5879160" y="3030840"/>
-            <a:ext cx="433800" cy="360"/>
+            <a:off x="5874840" y="3010680"/>
+            <a:ext cx="504000" cy="360"/>
           </a:xfrm>
           <a:prstGeom prst="bentConnector3">
             <a:avLst>
@@ -3171,8 +3171,8 @@
         </p:nvSpPr>
         <p:spPr>
           <a:xfrm>
-            <a:off x="5336280" y="1809360"/>
-            <a:ext cx="483120" cy="345960"/>
+            <a:off x="5242680" y="1589040"/>
+            <a:ext cx="561600" cy="402480"/>
           </a:xfrm>
           <a:prstGeom prst="rect">
             <a:avLst/>
@@ -3248,8 +3248,8 @@
         </p:nvSpPr>
         <p:spPr>
           <a:xfrm rot="16200000">
-            <a:off x="4921560" y="2067120"/>
-            <a:ext cx="235440" cy="172800"/>
+            <a:off x="4759920" y="1889640"/>
+            <a:ext cx="273240" cy="200160"/>
           </a:xfrm>
           <a:prstGeom prst="flowChartDecision">
             <a:avLst/>
@@ -3290,8 +3290,8 @@
         </p:nvSpPr>
         <p:spPr>
           <a:xfrm flipH="1" flipV="1" rot="5400000">
-            <a:off x="5161680" y="1860120"/>
-            <a:ext cx="51840" cy="295560"/>
+            <a:off x="5040000" y="1647720"/>
+            <a:ext cx="60120" cy="343440"/>
           </a:xfrm>
           <a:prstGeom prst="bentConnector2">
             <a:avLst/>
@@ -3332,8 +3332,8 @@
         </p:nvSpPr>
         <p:spPr>
           <a:xfrm>
-            <a:off x="5128200" y="3429000"/>
-            <a:ext cx="1156320" cy="345960"/>
+            <a:off x="5000760" y="3474360"/>
+            <a:ext cx="1344960" cy="402120"/>
           </a:xfrm>
           <a:prstGeom prst="rect">
             <a:avLst/>
@@ -3437,8 +3437,8 @@
         </p:nvSpPr>
         <p:spPr>
           <a:xfrm>
-            <a:off x="7712280" y="2564280"/>
-            <a:ext cx="707400" cy="285120"/>
+            <a:off x="8007840" y="2467800"/>
+            <a:ext cx="861840" cy="331200"/>
           </a:xfrm>
           <a:prstGeom prst="rect">
             <a:avLst/>
@@ -3514,8 +3514,8 @@
         </p:nvSpPr>
         <p:spPr>
           <a:xfrm>
-            <a:off x="7041960" y="2948040"/>
-            <a:ext cx="235440" cy="172800"/>
+            <a:off x="7228080" y="2914560"/>
+            <a:ext cx="273600" cy="200520"/>
           </a:xfrm>
           <a:prstGeom prst="flowChartDecision">
             <a:avLst/>
@@ -3558,8 +3558,8 @@
         </p:nvSpPr>
         <p:spPr>
           <a:xfrm flipV="1">
-            <a:off x="7278120" y="2706480"/>
-            <a:ext cx="433800" cy="326880"/>
+            <a:off x="7502760" y="2632680"/>
+            <a:ext cx="504360" cy="379800"/>
           </a:xfrm>
           <a:prstGeom prst="bentConnector3">
             <a:avLst>
@@ -3602,8 +3602,8 @@
         </p:nvSpPr>
         <p:spPr>
           <a:xfrm>
-            <a:off x="7712280" y="2887200"/>
-            <a:ext cx="707400" cy="285120"/>
+            <a:off x="8007840" y="2843640"/>
+            <a:ext cx="861840" cy="331560"/>
           </a:xfrm>
           <a:prstGeom prst="rect">
             <a:avLst/>
@@ -3679,8 +3679,8 @@
         </p:nvSpPr>
         <p:spPr>
           <a:xfrm flipV="1">
-            <a:off x="7278120" y="3029400"/>
-            <a:ext cx="433800" cy="3960"/>
+            <a:off x="7502760" y="3008880"/>
+            <a:ext cx="504360" cy="3960"/>
           </a:xfrm>
           <a:prstGeom prst="bentConnector3">
             <a:avLst>
@@ -3723,8 +3723,8 @@
         </p:nvSpPr>
         <p:spPr>
           <a:xfrm>
-            <a:off x="7712280" y="3210120"/>
-            <a:ext cx="699840" cy="285120"/>
+            <a:off x="8007840" y="3219120"/>
+            <a:ext cx="861840" cy="331920"/>
           </a:xfrm>
           <a:prstGeom prst="rect">
             <a:avLst/>
@@ -3800,8 +3800,8 @@
         </p:nvSpPr>
         <p:spPr>
           <a:xfrm>
-            <a:off x="7278120" y="3034800"/>
-            <a:ext cx="433800" cy="317520"/>
+            <a:off x="7502760" y="3015000"/>
+            <a:ext cx="504360" cy="369720"/>
           </a:xfrm>
           <a:prstGeom prst="bentConnector3">
             <a:avLst>
@@ -3844,8 +3844,8 @@
         </p:nvSpPr>
         <p:spPr>
           <a:xfrm>
-            <a:off x="7712280" y="3533040"/>
-            <a:ext cx="707400" cy="285120"/>
+            <a:off x="8007840" y="3594960"/>
+            <a:ext cx="861840" cy="331920"/>
           </a:xfrm>
           <a:prstGeom prst="rect">
             <a:avLst/>
@@ -3921,8 +3921,8 @@
         </p:nvSpPr>
         <p:spPr>
           <a:xfrm>
-            <a:off x="7278120" y="3034800"/>
-            <a:ext cx="433800" cy="640440"/>
+            <a:off x="7502760" y="3015000"/>
+            <a:ext cx="504360" cy="745200"/>
           </a:xfrm>
           <a:prstGeom prst="bentConnector3">
             <a:avLst>
@@ -3965,8 +3965,8 @@
         </p:nvSpPr>
         <p:spPr>
           <a:xfrm flipH="1" rot="16200000">
-            <a:off x="3278160" y="2485440"/>
-            <a:ext cx="293040" cy="360"/>
+            <a:off x="2846880" y="2376360"/>
+            <a:ext cx="340560" cy="360"/>
           </a:xfrm>
           <a:prstGeom prst="bentConnector3">
             <a:avLst>
@@ -4011,8 +4011,8 @@
         </p:nvSpPr>
         <p:spPr>
           <a:xfrm flipV="1" rot="10800000">
-            <a:off x="3831480" y="2513160"/>
-            <a:ext cx="269640" cy="174960"/>
+            <a:off x="3164400" y="2190960"/>
+            <a:ext cx="313560" cy="203040"/>
           </a:xfrm>
           <a:prstGeom prst="triangle">
             <a:avLst>
@@ -4054,8 +4054,8 @@
         </p:nvSpPr>
         <p:spPr>
           <a:xfrm>
-            <a:off x="2660400" y="1806480"/>
-            <a:ext cx="1539360" cy="345960"/>
+            <a:off x="2128680" y="1585800"/>
+            <a:ext cx="1791360" cy="402120"/>
           </a:xfrm>
           <a:prstGeom prst="rect">
             <a:avLst/>
@@ -4089,6 +4089,7 @@
         <p:txBody>
           <a:bodyPr lIns="90000" rIns="90000" tIns="45000" bIns="45000" anchor="ctr"/>
           <a:p>
+            <a:pPr algn="ctr"/>
             <a:r>
               <a:rPr b="0" lang="en-US" sz="1050" spc="-1" strike="noStrike">
                 <a:solidFill>
@@ -4159,8 +4160,8 @@
         </p:nvSpPr>
         <p:spPr>
           <a:xfrm rot="16200000">
-            <a:off x="6608880" y="3505320"/>
-            <a:ext cx="880200" cy="424080"/>
+            <a:off x="6724440" y="3563280"/>
+            <a:ext cx="1023480" cy="493200"/>
           </a:xfrm>
           <a:prstGeom prst="rect">
             <a:avLst/>
@@ -4221,8 +4222,8 @@
         </p:nvSpPr>
         <p:spPr>
           <a:xfrm>
-            <a:off x="2057400" y="4239360"/>
-            <a:ext cx="1775160" cy="345960"/>
+            <a:off x="1426680" y="4417200"/>
+            <a:ext cx="2065680" cy="402480"/>
           </a:xfrm>
           <a:prstGeom prst="rect">
             <a:avLst/>
@@ -4256,6 +4257,7 @@
         <p:txBody>
           <a:bodyPr lIns="90000" rIns="90000" tIns="45000" bIns="45000" anchor="ctr"/>
           <a:p>
+            <a:pPr algn="ctr"/>
             <a:r>
               <a:rPr b="0" lang="en-US" sz="1050" spc="-1" strike="noStrike">
                 <a:solidFill>
@@ -4326,8 +4328,8 @@
         </p:nvSpPr>
         <p:spPr>
           <a:xfrm flipH="1" rot="16200000">
-            <a:off x="1363680" y="3720600"/>
-            <a:ext cx="830880" cy="553680"/>
+            <a:off x="617760" y="3814200"/>
+            <a:ext cx="967320" cy="643320"/>
           </a:xfrm>
           <a:prstGeom prst="bentConnector2">
             <a:avLst/>
@@ -4371,8 +4373,8 @@
         </p:nvSpPr>
         <p:spPr>
           <a:xfrm flipV="1" rot="16200000">
-            <a:off x="5949000" y="2139120"/>
-            <a:ext cx="403560" cy="1032840"/>
+            <a:off x="5955840" y="1972800"/>
+            <a:ext cx="469080" cy="1202040"/>
           </a:xfrm>
           <a:prstGeom prst="bentConnector2">
             <a:avLst/>
@@ -4413,8 +4415,8 @@
         </p:nvSpPr>
         <p:spPr>
           <a:xfrm>
-            <a:off x="4325040" y="2191320"/>
-            <a:ext cx="188640" cy="177840"/>
+            <a:off x="4065480" y="2034000"/>
+            <a:ext cx="219240" cy="206280"/>
           </a:xfrm>
           <a:prstGeom prst="rect">
             <a:avLst/>
@@ -4475,8 +4477,8 @@
         </p:nvSpPr>
         <p:spPr>
           <a:xfrm>
-            <a:off x="4325040" y="3058920"/>
-            <a:ext cx="188640" cy="177840"/>
+            <a:off x="4065480" y="3043440"/>
+            <a:ext cx="219240" cy="206640"/>
           </a:xfrm>
           <a:prstGeom prst="rect">
             <a:avLst/>
@@ -4537,8 +4539,8 @@
         </p:nvSpPr>
         <p:spPr>
           <a:xfrm>
-            <a:off x="5689800" y="2495520"/>
-            <a:ext cx="188640" cy="177840"/>
+            <a:off x="5654160" y="2387520"/>
+            <a:ext cx="219240" cy="206640"/>
           </a:xfrm>
           <a:prstGeom prst="rect">
             <a:avLst/>
@@ -4599,8 +4601,8 @@
         </p:nvSpPr>
         <p:spPr>
           <a:xfrm>
-            <a:off x="5163120" y="1778760"/>
-            <a:ext cx="188640" cy="177840"/>
+            <a:off x="5041080" y="1553760"/>
+            <a:ext cx="219600" cy="206280"/>
           </a:xfrm>
           <a:prstGeom prst="rect">
             <a:avLst/>
@@ -4661,8 +4663,8 @@
         </p:nvSpPr>
         <p:spPr>
           <a:xfrm>
-            <a:off x="6135120" y="3097800"/>
-            <a:ext cx="188640" cy="177840"/>
+            <a:off x="6172560" y="3088800"/>
+            <a:ext cx="219240" cy="206280"/>
           </a:xfrm>
           <a:prstGeom prst="rect">
             <a:avLst/>
@@ -4723,8 +4725,8 @@
         </p:nvSpPr>
         <p:spPr>
           <a:xfrm>
-            <a:off x="2687760" y="2564280"/>
-            <a:ext cx="188640" cy="177840"/>
+            <a:off x="2160360" y="2467800"/>
+            <a:ext cx="218880" cy="207000"/>
           </a:xfrm>
           <a:prstGeom prst="rect">
             <a:avLst/>
@@ -4785,8 +4787,8 @@
         </p:nvSpPr>
         <p:spPr>
           <a:xfrm>
-            <a:off x="2656440" y="3386160"/>
-            <a:ext cx="188640" cy="177840"/>
+            <a:off x="2124000" y="3423960"/>
+            <a:ext cx="219240" cy="207000"/>
           </a:xfrm>
           <a:prstGeom prst="rect">
             <a:avLst/>
@@ -4847,8 +4849,8 @@
         </p:nvSpPr>
         <p:spPr>
           <a:xfrm>
-            <a:off x="6667920" y="3210120"/>
-            <a:ext cx="188640" cy="177840"/>
+            <a:off x="6792480" y="3219120"/>
+            <a:ext cx="219240" cy="207360"/>
           </a:xfrm>
           <a:prstGeom prst="rect">
             <a:avLst/>
@@ -4909,8 +4911,8 @@
         </p:nvSpPr>
         <p:spPr>
           <a:xfrm>
-            <a:off x="2879640" y="3789360"/>
-            <a:ext cx="1092960" cy="345960"/>
+            <a:off x="2383560" y="3893760"/>
+            <a:ext cx="1271520" cy="402120"/>
           </a:xfrm>
           <a:prstGeom prst="rect">
             <a:avLst/>
@@ -4986,8 +4988,8 @@
         </p:nvSpPr>
         <p:spPr>
           <a:xfrm flipH="1" rot="16200000">
-            <a:off x="2328840" y="3381480"/>
-            <a:ext cx="460080" cy="640440"/>
+            <a:off x="1742040" y="3419280"/>
+            <a:ext cx="534960" cy="744840"/>
           </a:xfrm>
           <a:prstGeom prst="bentConnector2">
             <a:avLst/>
@@ -5028,8 +5030,8 @@
         </p:nvSpPr>
         <p:spPr>
           <a:xfrm flipH="1" rot="10771200">
-            <a:off x="3975120" y="3249000"/>
-            <a:ext cx="2880360" cy="694800"/>
+            <a:off x="3658320" y="3264480"/>
+            <a:ext cx="3352320" cy="808200"/>
           </a:xfrm>
           <a:prstGeom prst="bentConnector2">
             <a:avLst/>
@@ -5070,8 +5072,8 @@
         </p:nvSpPr>
         <p:spPr>
           <a:xfrm>
-            <a:off x="2687760" y="3680280"/>
-            <a:ext cx="188640" cy="177840"/>
+            <a:off x="2160360" y="3766680"/>
+            <a:ext cx="218880" cy="206640"/>
           </a:xfrm>
           <a:prstGeom prst="rect">
             <a:avLst/>
